--- a/reports/Presentation.pptx
+++ b/reports/Presentation.pptx
@@ -1,20 +1,23 @@
 
 <file path=ppt/presentation.xml><?xml version="1.0" encoding="utf-8"?>
-<p:presentation xmlns:a="http://schemas.openxmlformats.org/drawingml/2006/main" xmlns:r="http://schemas.openxmlformats.org/officeDocument/2006/relationships" xmlns:p="http://schemas.openxmlformats.org/presentationml/2006/main" saveSubsetFonts="1" autoCompressPictures="0">
+<p:presentation xmlns:a="http://schemas.openxmlformats.org/drawingml/2006/main" xmlns:r="http://schemas.openxmlformats.org/officeDocument/2006/relationships" xmlns:p="http://schemas.openxmlformats.org/presentationml/2006/main" autoCompressPictures="0">
   <p:sldMasterIdLst>
     <p:sldMasterId id="2147483648" r:id="rId1"/>
   </p:sldMasterIdLst>
   <p:sldIdLst>
-    <p:sldId id="256" r:id="rId7"/>
-    <p:sldId id="257" r:id="rId8"/>
-    <p:sldId id="258" r:id="rId9"/>
-    <p:sldId id="259" r:id="rId10"/>
-    <p:sldId id="260" r:id="rId11"/>
-    <p:sldId id="261" r:id="rId12"/>
-    <p:sldId id="262" r:id="rId13"/>
-    <p:sldId id="263" r:id="rId14"/>
-    <p:sldId id="264" r:id="rId15"/>
-    <p:sldId id="265" r:id="rId16"/>
+    <p:sldId id="256" r:id="rId3"/>
+    <p:sldId id="257" r:id="rId4"/>
+    <p:sldId id="258" r:id="rId5"/>
+    <p:sldId id="259" r:id="rId6"/>
+    <p:sldId id="260" r:id="rId7"/>
+    <p:sldId id="261" r:id="rId8"/>
+    <p:sldId id="262" r:id="rId9"/>
+    <p:sldId id="263" r:id="rId10"/>
+    <p:sldId id="264" r:id="rId11"/>
+    <p:sldId id="269" r:id="rId12"/>
+    <p:sldId id="270" r:id="rId13"/>
+    <p:sldId id="271" r:id="rId14"/>
+    <p:sldId id="265" r:id="rId15"/>
   </p:sldIdLst>
   <p:sldSz cx="9144000" cy="6858000" type="screen4x3"/>
   <p:notesSz cx="6858000" cy="9144000"/>
@@ -113,6 +116,22 @@
       </a:defRPr>
     </a:lvl9pPr>
   </p:defaultTextStyle>
+  <p:extLst>
+    <p:ext uri="{EFAFB233-063F-42B5-8137-9DF3F51BA10A}">
+      <p15:sldGuideLst xmlns:p15="http://schemas.microsoft.com/office/powerpoint/2012/main">
+        <p15:guide id="1" orient="horz" pos="2160" userDrawn="1">
+          <p15:clr>
+            <a:srgbClr val="A4A3A4"/>
+          </p15:clr>
+        </p15:guide>
+        <p15:guide id="2" pos="2880" userDrawn="1">
+          <p15:clr>
+            <a:srgbClr val="A4A3A4"/>
+          </p15:clr>
+        </p15:guide>
+      </p15:sldGuideLst>
+    </p:ext>
+  </p:extLst>
 </p:presentation>
 </file>
 
@@ -297,7 +316,6 @@
           <a:p>
             <a:fld id="{5BCAD085-E8A6-8845-BD4E-CB4CCA059FC4}" type="datetimeFigureOut">
               <a:rPr lang="en-US" smtClean="0"/>
-              <a:t>1/27/13</a:t>
             </a:fld>
             <a:endParaRPr lang="en-US"/>
           </a:p>
@@ -339,18 +357,12 @@
           <a:p>
             <a:fld id="{C1FF6DA9-008F-8B48-92A6-B652298478BF}" type="slidenum">
               <a:rPr lang="en-US" smtClean="0"/>
-              <a:t>‹#›</a:t>
             </a:fld>
             <a:endParaRPr lang="en-US"/>
           </a:p>
         </p:txBody>
       </p:sp>
     </p:spTree>
-    <p:extLst>
-      <p:ext uri="{BB962C8B-B14F-4D97-AF65-F5344CB8AC3E}">
-        <p14:creationId xmlns:p14="http://schemas.microsoft.com/office/powerpoint/2010/main" val="3168075583"/>
-      </p:ext>
-    </p:extLst>
   </p:cSld>
   <p:clrMapOvr>
     <a:masterClrMapping/>
@@ -418,6 +430,7 @@
               <a:rPr lang="en-US" smtClean="0"/>
               <a:t>Click to edit Master text styles</a:t>
             </a:r>
+            <a:endParaRPr lang="en-US" smtClean="0"/>
           </a:p>
           <a:p>
             <a:pPr lvl="1"/>
@@ -425,6 +438,7 @@
               <a:rPr lang="en-US" smtClean="0"/>
               <a:t>Second level</a:t>
             </a:r>
+            <a:endParaRPr lang="en-US" smtClean="0"/>
           </a:p>
           <a:p>
             <a:pPr lvl="2"/>
@@ -432,6 +446,7 @@
               <a:rPr lang="en-US" smtClean="0"/>
               <a:t>Third level</a:t>
             </a:r>
+            <a:endParaRPr lang="en-US" smtClean="0"/>
           </a:p>
           <a:p>
             <a:pPr lvl="3"/>
@@ -439,6 +454,7 @@
               <a:rPr lang="en-US" smtClean="0"/>
               <a:t>Fourth level</a:t>
             </a:r>
+            <a:endParaRPr lang="en-US" smtClean="0"/>
           </a:p>
           <a:p>
             <a:pPr lvl="4"/>
@@ -467,7 +483,6 @@
           <a:p>
             <a:fld id="{5BCAD085-E8A6-8845-BD4E-CB4CCA059FC4}" type="datetimeFigureOut">
               <a:rPr lang="en-US" smtClean="0"/>
-              <a:t>1/27/13</a:t>
             </a:fld>
             <a:endParaRPr lang="en-US"/>
           </a:p>
@@ -509,18 +524,12 @@
           <a:p>
             <a:fld id="{C1FF6DA9-008F-8B48-92A6-B652298478BF}" type="slidenum">
               <a:rPr lang="en-US" smtClean="0"/>
-              <a:t>‹#›</a:t>
             </a:fld>
             <a:endParaRPr lang="en-US"/>
           </a:p>
         </p:txBody>
       </p:sp>
     </p:spTree>
-    <p:extLst>
-      <p:ext uri="{BB962C8B-B14F-4D97-AF65-F5344CB8AC3E}">
-        <p14:creationId xmlns:p14="http://schemas.microsoft.com/office/powerpoint/2010/main" val="2910927964"/>
-      </p:ext>
-    </p:extLst>
   </p:cSld>
   <p:clrMapOvr>
     <a:masterClrMapping/>
@@ -598,6 +607,7 @@
               <a:rPr lang="en-US" smtClean="0"/>
               <a:t>Click to edit Master text styles</a:t>
             </a:r>
+            <a:endParaRPr lang="en-US" smtClean="0"/>
           </a:p>
           <a:p>
             <a:pPr lvl="1"/>
@@ -605,6 +615,7 @@
               <a:rPr lang="en-US" smtClean="0"/>
               <a:t>Second level</a:t>
             </a:r>
+            <a:endParaRPr lang="en-US" smtClean="0"/>
           </a:p>
           <a:p>
             <a:pPr lvl="2"/>
@@ -612,6 +623,7 @@
               <a:rPr lang="en-US" smtClean="0"/>
               <a:t>Third level</a:t>
             </a:r>
+            <a:endParaRPr lang="en-US" smtClean="0"/>
           </a:p>
           <a:p>
             <a:pPr lvl="3"/>
@@ -619,6 +631,7 @@
               <a:rPr lang="en-US" smtClean="0"/>
               <a:t>Fourth level</a:t>
             </a:r>
+            <a:endParaRPr lang="en-US" smtClean="0"/>
           </a:p>
           <a:p>
             <a:pPr lvl="4"/>
@@ -647,7 +660,6 @@
           <a:p>
             <a:fld id="{5BCAD085-E8A6-8845-BD4E-CB4CCA059FC4}" type="datetimeFigureOut">
               <a:rPr lang="en-US" smtClean="0"/>
-              <a:t>1/27/13</a:t>
             </a:fld>
             <a:endParaRPr lang="en-US"/>
           </a:p>
@@ -689,18 +701,12 @@
           <a:p>
             <a:fld id="{C1FF6DA9-008F-8B48-92A6-B652298478BF}" type="slidenum">
               <a:rPr lang="en-US" smtClean="0"/>
-              <a:t>‹#›</a:t>
             </a:fld>
             <a:endParaRPr lang="en-US"/>
           </a:p>
         </p:txBody>
       </p:sp>
     </p:spTree>
-    <p:extLst>
-      <p:ext uri="{BB962C8B-B14F-4D97-AF65-F5344CB8AC3E}">
-        <p14:creationId xmlns:p14="http://schemas.microsoft.com/office/powerpoint/2010/main" val="3612223792"/>
-      </p:ext>
-    </p:extLst>
   </p:cSld>
   <p:clrMapOvr>
     <a:masterClrMapping/>
@@ -768,6 +774,7 @@
               <a:rPr lang="en-US" smtClean="0"/>
               <a:t>Click to edit Master text styles</a:t>
             </a:r>
+            <a:endParaRPr lang="en-US" smtClean="0"/>
           </a:p>
           <a:p>
             <a:pPr lvl="1"/>
@@ -775,6 +782,7 @@
               <a:rPr lang="en-US" smtClean="0"/>
               <a:t>Second level</a:t>
             </a:r>
+            <a:endParaRPr lang="en-US" smtClean="0"/>
           </a:p>
           <a:p>
             <a:pPr lvl="2"/>
@@ -782,6 +790,7 @@
               <a:rPr lang="en-US" smtClean="0"/>
               <a:t>Third level</a:t>
             </a:r>
+            <a:endParaRPr lang="en-US" smtClean="0"/>
           </a:p>
           <a:p>
             <a:pPr lvl="3"/>
@@ -789,6 +798,7 @@
               <a:rPr lang="en-US" smtClean="0"/>
               <a:t>Fourth level</a:t>
             </a:r>
+            <a:endParaRPr lang="en-US" smtClean="0"/>
           </a:p>
           <a:p>
             <a:pPr lvl="4"/>
@@ -817,7 +827,6 @@
           <a:p>
             <a:fld id="{5BCAD085-E8A6-8845-BD4E-CB4CCA059FC4}" type="datetimeFigureOut">
               <a:rPr lang="en-US" smtClean="0"/>
-              <a:t>1/27/13</a:t>
             </a:fld>
             <a:endParaRPr lang="en-US"/>
           </a:p>
@@ -859,18 +868,12 @@
           <a:p>
             <a:fld id="{C1FF6DA9-008F-8B48-92A6-B652298478BF}" type="slidenum">
               <a:rPr lang="en-US" smtClean="0"/>
-              <a:t>‹#›</a:t>
             </a:fld>
             <a:endParaRPr lang="en-US"/>
           </a:p>
         </p:txBody>
       </p:sp>
     </p:spTree>
-    <p:extLst>
-      <p:ext uri="{BB962C8B-B14F-4D97-AF65-F5344CB8AC3E}">
-        <p14:creationId xmlns:p14="http://schemas.microsoft.com/office/powerpoint/2010/main" val="2614314258"/>
-      </p:ext>
-    </p:extLst>
   </p:cSld>
   <p:clrMapOvr>
     <a:masterClrMapping/>
@@ -1043,6 +1046,7 @@
               <a:rPr lang="en-US" smtClean="0"/>
               <a:t>Click to edit Master text styles</a:t>
             </a:r>
+            <a:endParaRPr lang="en-US" smtClean="0"/>
           </a:p>
         </p:txBody>
       </p:sp>
@@ -1063,7 +1067,6 @@
           <a:p>
             <a:fld id="{5BCAD085-E8A6-8845-BD4E-CB4CCA059FC4}" type="datetimeFigureOut">
               <a:rPr lang="en-US" smtClean="0"/>
-              <a:t>1/27/13</a:t>
             </a:fld>
             <a:endParaRPr lang="en-US"/>
           </a:p>
@@ -1105,18 +1108,12 @@
           <a:p>
             <a:fld id="{C1FF6DA9-008F-8B48-92A6-B652298478BF}" type="slidenum">
               <a:rPr lang="en-US" smtClean="0"/>
-              <a:t>‹#›</a:t>
             </a:fld>
             <a:endParaRPr lang="en-US"/>
           </a:p>
         </p:txBody>
       </p:sp>
     </p:spTree>
-    <p:extLst>
-      <p:ext uri="{BB962C8B-B14F-4D97-AF65-F5344CB8AC3E}">
-        <p14:creationId xmlns:p14="http://schemas.microsoft.com/office/powerpoint/2010/main" val="960648375"/>
-      </p:ext>
-    </p:extLst>
   </p:cSld>
   <p:clrMapOvr>
     <a:masterClrMapping/>
@@ -1217,6 +1214,7 @@
               <a:rPr lang="en-US" smtClean="0"/>
               <a:t>Click to edit Master text styles</a:t>
             </a:r>
+            <a:endParaRPr lang="en-US" smtClean="0"/>
           </a:p>
           <a:p>
             <a:pPr lvl="1"/>
@@ -1224,6 +1222,7 @@
               <a:rPr lang="en-US" smtClean="0"/>
               <a:t>Second level</a:t>
             </a:r>
+            <a:endParaRPr lang="en-US" smtClean="0"/>
           </a:p>
           <a:p>
             <a:pPr lvl="2"/>
@@ -1231,6 +1230,7 @@
               <a:rPr lang="en-US" smtClean="0"/>
               <a:t>Third level</a:t>
             </a:r>
+            <a:endParaRPr lang="en-US" smtClean="0"/>
           </a:p>
           <a:p>
             <a:pPr lvl="3"/>
@@ -1238,6 +1238,7 @@
               <a:rPr lang="en-US" smtClean="0"/>
               <a:t>Fourth level</a:t>
             </a:r>
+            <a:endParaRPr lang="en-US" smtClean="0"/>
           </a:p>
           <a:p>
             <a:pPr lvl="4"/>
@@ -1302,6 +1303,7 @@
               <a:rPr lang="en-US" smtClean="0"/>
               <a:t>Click to edit Master text styles</a:t>
             </a:r>
+            <a:endParaRPr lang="en-US" smtClean="0"/>
           </a:p>
           <a:p>
             <a:pPr lvl="1"/>
@@ -1309,6 +1311,7 @@
               <a:rPr lang="en-US" smtClean="0"/>
               <a:t>Second level</a:t>
             </a:r>
+            <a:endParaRPr lang="en-US" smtClean="0"/>
           </a:p>
           <a:p>
             <a:pPr lvl="2"/>
@@ -1316,6 +1319,7 @@
               <a:rPr lang="en-US" smtClean="0"/>
               <a:t>Third level</a:t>
             </a:r>
+            <a:endParaRPr lang="en-US" smtClean="0"/>
           </a:p>
           <a:p>
             <a:pPr lvl="3"/>
@@ -1323,6 +1327,7 @@
               <a:rPr lang="en-US" smtClean="0"/>
               <a:t>Fourth level</a:t>
             </a:r>
+            <a:endParaRPr lang="en-US" smtClean="0"/>
           </a:p>
           <a:p>
             <a:pPr lvl="4"/>
@@ -1351,7 +1356,6 @@
           <a:p>
             <a:fld id="{5BCAD085-E8A6-8845-BD4E-CB4CCA059FC4}" type="datetimeFigureOut">
               <a:rPr lang="en-US" smtClean="0"/>
-              <a:t>1/27/13</a:t>
             </a:fld>
             <a:endParaRPr lang="en-US"/>
           </a:p>
@@ -1393,18 +1397,12 @@
           <a:p>
             <a:fld id="{C1FF6DA9-008F-8B48-92A6-B652298478BF}" type="slidenum">
               <a:rPr lang="en-US" smtClean="0"/>
-              <a:t>‹#›</a:t>
             </a:fld>
             <a:endParaRPr lang="en-US"/>
           </a:p>
         </p:txBody>
       </p:sp>
     </p:spTree>
-    <p:extLst>
-      <p:ext uri="{BB962C8B-B14F-4D97-AF65-F5344CB8AC3E}">
-        <p14:creationId xmlns:p14="http://schemas.microsoft.com/office/powerpoint/2010/main" val="2782244947"/>
-      </p:ext>
-    </p:extLst>
   </p:cSld>
   <p:clrMapOvr>
     <a:masterClrMapping/>
@@ -1518,6 +1516,7 @@
               <a:rPr lang="en-US" smtClean="0"/>
               <a:t>Click to edit Master text styles</a:t>
             </a:r>
+            <a:endParaRPr lang="en-US" smtClean="0"/>
           </a:p>
         </p:txBody>
       </p:sp>
@@ -1574,6 +1573,7 @@
               <a:rPr lang="en-US" smtClean="0"/>
               <a:t>Click to edit Master text styles</a:t>
             </a:r>
+            <a:endParaRPr lang="en-US" smtClean="0"/>
           </a:p>
           <a:p>
             <a:pPr lvl="1"/>
@@ -1581,6 +1581,7 @@
               <a:rPr lang="en-US" smtClean="0"/>
               <a:t>Second level</a:t>
             </a:r>
+            <a:endParaRPr lang="en-US" smtClean="0"/>
           </a:p>
           <a:p>
             <a:pPr lvl="2"/>
@@ -1588,6 +1589,7 @@
               <a:rPr lang="en-US" smtClean="0"/>
               <a:t>Third level</a:t>
             </a:r>
+            <a:endParaRPr lang="en-US" smtClean="0"/>
           </a:p>
           <a:p>
             <a:pPr lvl="3"/>
@@ -1595,6 +1597,7 @@
               <a:rPr lang="en-US" smtClean="0"/>
               <a:t>Fourth level</a:t>
             </a:r>
+            <a:endParaRPr lang="en-US" smtClean="0"/>
           </a:p>
           <a:p>
             <a:pPr lvl="4"/>
@@ -1668,6 +1671,7 @@
               <a:rPr lang="en-US" smtClean="0"/>
               <a:t>Click to edit Master text styles</a:t>
             </a:r>
+            <a:endParaRPr lang="en-US" smtClean="0"/>
           </a:p>
         </p:txBody>
       </p:sp>
@@ -1724,6 +1728,7 @@
               <a:rPr lang="en-US" smtClean="0"/>
               <a:t>Click to edit Master text styles</a:t>
             </a:r>
+            <a:endParaRPr lang="en-US" smtClean="0"/>
           </a:p>
           <a:p>
             <a:pPr lvl="1"/>
@@ -1731,6 +1736,7 @@
               <a:rPr lang="en-US" smtClean="0"/>
               <a:t>Second level</a:t>
             </a:r>
+            <a:endParaRPr lang="en-US" smtClean="0"/>
           </a:p>
           <a:p>
             <a:pPr lvl="2"/>
@@ -1738,6 +1744,7 @@
               <a:rPr lang="en-US" smtClean="0"/>
               <a:t>Third level</a:t>
             </a:r>
+            <a:endParaRPr lang="en-US" smtClean="0"/>
           </a:p>
           <a:p>
             <a:pPr lvl="3"/>
@@ -1745,6 +1752,7 @@
               <a:rPr lang="en-US" smtClean="0"/>
               <a:t>Fourth level</a:t>
             </a:r>
+            <a:endParaRPr lang="en-US" smtClean="0"/>
           </a:p>
           <a:p>
             <a:pPr lvl="4"/>
@@ -1773,7 +1781,6 @@
           <a:p>
             <a:fld id="{5BCAD085-E8A6-8845-BD4E-CB4CCA059FC4}" type="datetimeFigureOut">
               <a:rPr lang="en-US" smtClean="0"/>
-              <a:t>1/27/13</a:t>
             </a:fld>
             <a:endParaRPr lang="en-US"/>
           </a:p>
@@ -1815,18 +1822,12 @@
           <a:p>
             <a:fld id="{C1FF6DA9-008F-8B48-92A6-B652298478BF}" type="slidenum">
               <a:rPr lang="en-US" smtClean="0"/>
-              <a:t>‹#›</a:t>
             </a:fld>
             <a:endParaRPr lang="en-US"/>
           </a:p>
         </p:txBody>
       </p:sp>
     </p:spTree>
-    <p:extLst>
-      <p:ext uri="{BB962C8B-B14F-4D97-AF65-F5344CB8AC3E}">
-        <p14:creationId xmlns:p14="http://schemas.microsoft.com/office/powerpoint/2010/main" val="990158736"/>
-      </p:ext>
-    </p:extLst>
   </p:cSld>
   <p:clrMapOvr>
     <a:masterClrMapping/>
@@ -1891,7 +1892,6 @@
           <a:p>
             <a:fld id="{5BCAD085-E8A6-8845-BD4E-CB4CCA059FC4}" type="datetimeFigureOut">
               <a:rPr lang="en-US" smtClean="0"/>
-              <a:t>1/27/13</a:t>
             </a:fld>
             <a:endParaRPr lang="en-US"/>
           </a:p>
@@ -1933,18 +1933,12 @@
           <a:p>
             <a:fld id="{C1FF6DA9-008F-8B48-92A6-B652298478BF}" type="slidenum">
               <a:rPr lang="en-US" smtClean="0"/>
-              <a:t>‹#›</a:t>
             </a:fld>
             <a:endParaRPr lang="en-US"/>
           </a:p>
         </p:txBody>
       </p:sp>
     </p:spTree>
-    <p:extLst>
-      <p:ext uri="{BB962C8B-B14F-4D97-AF65-F5344CB8AC3E}">
-        <p14:creationId xmlns:p14="http://schemas.microsoft.com/office/powerpoint/2010/main" val="727027711"/>
-      </p:ext>
-    </p:extLst>
   </p:cSld>
   <p:clrMapOvr>
     <a:masterClrMapping/>
@@ -1986,7 +1980,6 @@
           <a:p>
             <a:fld id="{5BCAD085-E8A6-8845-BD4E-CB4CCA059FC4}" type="datetimeFigureOut">
               <a:rPr lang="en-US" smtClean="0"/>
-              <a:t>1/27/13</a:t>
             </a:fld>
             <a:endParaRPr lang="en-US"/>
           </a:p>
@@ -2028,18 +2021,12 @@
           <a:p>
             <a:fld id="{C1FF6DA9-008F-8B48-92A6-B652298478BF}" type="slidenum">
               <a:rPr lang="en-US" smtClean="0"/>
-              <a:t>‹#›</a:t>
             </a:fld>
             <a:endParaRPr lang="en-US"/>
           </a:p>
         </p:txBody>
       </p:sp>
     </p:spTree>
-    <p:extLst>
-      <p:ext uri="{BB962C8B-B14F-4D97-AF65-F5344CB8AC3E}">
-        <p14:creationId xmlns:p14="http://schemas.microsoft.com/office/powerpoint/2010/main" val="1212999818"/>
-      </p:ext>
-    </p:extLst>
   </p:cSld>
   <p:clrMapOvr>
     <a:masterClrMapping/>
@@ -2149,6 +2136,7 @@
               <a:rPr lang="en-US" smtClean="0"/>
               <a:t>Click to edit Master text styles</a:t>
             </a:r>
+            <a:endParaRPr lang="en-US" smtClean="0"/>
           </a:p>
           <a:p>
             <a:pPr lvl="1"/>
@@ -2156,6 +2144,7 @@
               <a:rPr lang="en-US" smtClean="0"/>
               <a:t>Second level</a:t>
             </a:r>
+            <a:endParaRPr lang="en-US" smtClean="0"/>
           </a:p>
           <a:p>
             <a:pPr lvl="2"/>
@@ -2163,6 +2152,7 @@
               <a:rPr lang="en-US" smtClean="0"/>
               <a:t>Third level</a:t>
             </a:r>
+            <a:endParaRPr lang="en-US" smtClean="0"/>
           </a:p>
           <a:p>
             <a:pPr lvl="3"/>
@@ -2170,6 +2160,7 @@
               <a:rPr lang="en-US" smtClean="0"/>
               <a:t>Fourth level</a:t>
             </a:r>
+            <a:endParaRPr lang="en-US" smtClean="0"/>
           </a:p>
           <a:p>
             <a:pPr lvl="4"/>
@@ -2243,6 +2234,7 @@
               <a:rPr lang="en-US" smtClean="0"/>
               <a:t>Click to edit Master text styles</a:t>
             </a:r>
+            <a:endParaRPr lang="en-US" smtClean="0"/>
           </a:p>
         </p:txBody>
       </p:sp>
@@ -2263,7 +2255,6 @@
           <a:p>
             <a:fld id="{5BCAD085-E8A6-8845-BD4E-CB4CCA059FC4}" type="datetimeFigureOut">
               <a:rPr lang="en-US" smtClean="0"/>
-              <a:t>1/27/13</a:t>
             </a:fld>
             <a:endParaRPr lang="en-US"/>
           </a:p>
@@ -2305,18 +2296,12 @@
           <a:p>
             <a:fld id="{C1FF6DA9-008F-8B48-92A6-B652298478BF}" type="slidenum">
               <a:rPr lang="en-US" smtClean="0"/>
-              <a:t>‹#›</a:t>
             </a:fld>
             <a:endParaRPr lang="en-US"/>
           </a:p>
         </p:txBody>
       </p:sp>
     </p:spTree>
-    <p:extLst>
-      <p:ext uri="{BB962C8B-B14F-4D97-AF65-F5344CB8AC3E}">
-        <p14:creationId xmlns:p14="http://schemas.microsoft.com/office/powerpoint/2010/main" val="1840726560"/>
-      </p:ext>
-    </p:extLst>
   </p:cSld>
   <p:clrMapOvr>
     <a:masterClrMapping/>
@@ -2496,6 +2481,7 @@
               <a:rPr lang="en-US" smtClean="0"/>
               <a:t>Click to edit Master text styles</a:t>
             </a:r>
+            <a:endParaRPr lang="en-US" smtClean="0"/>
           </a:p>
         </p:txBody>
       </p:sp>
@@ -2516,7 +2502,6 @@
           <a:p>
             <a:fld id="{5BCAD085-E8A6-8845-BD4E-CB4CCA059FC4}" type="datetimeFigureOut">
               <a:rPr lang="en-US" smtClean="0"/>
-              <a:t>1/27/13</a:t>
             </a:fld>
             <a:endParaRPr lang="en-US"/>
           </a:p>
@@ -2558,18 +2543,12 @@
           <a:p>
             <a:fld id="{C1FF6DA9-008F-8B48-92A6-B652298478BF}" type="slidenum">
               <a:rPr lang="en-US" smtClean="0"/>
-              <a:t>‹#›</a:t>
             </a:fld>
             <a:endParaRPr lang="en-US"/>
           </a:p>
         </p:txBody>
       </p:sp>
     </p:spTree>
-    <p:extLst>
-      <p:ext uri="{BB962C8B-B14F-4D97-AF65-F5344CB8AC3E}">
-        <p14:creationId xmlns:p14="http://schemas.microsoft.com/office/powerpoint/2010/main" val="3889236939"/>
-      </p:ext>
-    </p:extLst>
   </p:cSld>
   <p:clrMapOvr>
     <a:masterClrMapping/>
@@ -2662,6 +2641,7 @@
               <a:rPr lang="en-US" smtClean="0"/>
               <a:t>Click to edit Master text styles</a:t>
             </a:r>
+            <a:endParaRPr lang="en-US" smtClean="0"/>
           </a:p>
           <a:p>
             <a:pPr lvl="1"/>
@@ -2669,6 +2649,7 @@
               <a:rPr lang="en-US" smtClean="0"/>
               <a:t>Second level</a:t>
             </a:r>
+            <a:endParaRPr lang="en-US" smtClean="0"/>
           </a:p>
           <a:p>
             <a:pPr lvl="2"/>
@@ -2676,6 +2657,7 @@
               <a:rPr lang="en-US" smtClean="0"/>
               <a:t>Third level</a:t>
             </a:r>
+            <a:endParaRPr lang="en-US" smtClean="0"/>
           </a:p>
           <a:p>
             <a:pPr lvl="3"/>
@@ -2683,6 +2665,7 @@
               <a:rPr lang="en-US" smtClean="0"/>
               <a:t>Fourth level</a:t>
             </a:r>
+            <a:endParaRPr lang="en-US" smtClean="0"/>
           </a:p>
           <a:p>
             <a:pPr lvl="4"/>
@@ -2729,7 +2712,6 @@
           <a:p>
             <a:fld id="{5BCAD085-E8A6-8845-BD4E-CB4CCA059FC4}" type="datetimeFigureOut">
               <a:rPr lang="en-US" smtClean="0"/>
-              <a:t>1/27/13</a:t>
             </a:fld>
             <a:endParaRPr lang="en-US"/>
           </a:p>
@@ -2807,18 +2789,12 @@
           <a:p>
             <a:fld id="{C1FF6DA9-008F-8B48-92A6-B652298478BF}" type="slidenum">
               <a:rPr lang="en-US" smtClean="0"/>
-              <a:t>‹#›</a:t>
             </a:fld>
             <a:endParaRPr lang="en-US"/>
           </a:p>
         </p:txBody>
       </p:sp>
     </p:spTree>
-    <p:extLst>
-      <p:ext uri="{BB962C8B-B14F-4D97-AF65-F5344CB8AC3E}">
-        <p14:creationId xmlns:p14="http://schemas.microsoft.com/office/powerpoint/2010/main" val="2209977519"/>
-      </p:ext>
-    </p:extLst>
   </p:cSld>
   <p:clrMap bg1="lt1" tx1="dk1" bg2="lt2" tx2="dk2" accent1="accent1" accent2="accent2" accent3="accent3" accent4="accent4" accent5="accent5" accent6="accent6" hlink="hlink" folHlink="folHlink"/>
   <p:sldLayoutIdLst>
@@ -2856,7 +2832,7 @@
         <a:spcBef>
           <a:spcPct val="20000"/>
         </a:spcBef>
-        <a:buFont typeface="Arial"/>
+        <a:buFont typeface="Arial" panose="020B0604020202020204"/>
         <a:buChar char="•"/>
         <a:defRPr sz="3200" kern="1200">
           <a:solidFill>
@@ -2871,7 +2847,7 @@
         <a:spcBef>
           <a:spcPct val="20000"/>
         </a:spcBef>
-        <a:buFont typeface="Arial"/>
+        <a:buFont typeface="Arial" panose="020B0604020202020204"/>
         <a:buChar char="–"/>
         <a:defRPr sz="2800" kern="1200">
           <a:solidFill>
@@ -2886,7 +2862,7 @@
         <a:spcBef>
           <a:spcPct val="20000"/>
         </a:spcBef>
-        <a:buFont typeface="Arial"/>
+        <a:buFont typeface="Arial" panose="020B0604020202020204"/>
         <a:buChar char="•"/>
         <a:defRPr sz="2400" kern="1200">
           <a:solidFill>
@@ -2901,7 +2877,7 @@
         <a:spcBef>
           <a:spcPct val="20000"/>
         </a:spcBef>
-        <a:buFont typeface="Arial"/>
+        <a:buFont typeface="Arial" panose="020B0604020202020204"/>
         <a:buChar char="–"/>
         <a:defRPr sz="2000" kern="1200">
           <a:solidFill>
@@ -2916,7 +2892,7 @@
         <a:spcBef>
           <a:spcPct val="20000"/>
         </a:spcBef>
-        <a:buFont typeface="Arial"/>
+        <a:buFont typeface="Arial" panose="020B0604020202020204"/>
         <a:buChar char="»"/>
         <a:defRPr sz="2000" kern="1200">
           <a:solidFill>
@@ -2931,7 +2907,7 @@
         <a:spcBef>
           <a:spcPct val="20000"/>
         </a:spcBef>
-        <a:buFont typeface="Arial"/>
+        <a:buFont typeface="Arial" panose="020B0604020202020204"/>
         <a:buChar char="•"/>
         <a:defRPr sz="2000" kern="1200">
           <a:solidFill>
@@ -2946,7 +2922,7 @@
         <a:spcBef>
           <a:spcPct val="20000"/>
         </a:spcBef>
-        <a:buFont typeface="Arial"/>
+        <a:buFont typeface="Arial" panose="020B0604020202020204"/>
         <a:buChar char="•"/>
         <a:defRPr sz="2000" kern="1200">
           <a:solidFill>
@@ -2961,7 +2937,7 @@
         <a:spcBef>
           <a:spcPct val="20000"/>
         </a:spcBef>
-        <a:buFont typeface="Arial"/>
+        <a:buFont typeface="Arial" panose="020B0604020202020204"/>
         <a:buChar char="•"/>
         <a:defRPr sz="2000" kern="1200">
           <a:solidFill>
@@ -2976,7 +2952,7 @@
         <a:spcBef>
           <a:spcPct val="20000"/>
         </a:spcBef>
-        <a:buFont typeface="Arial"/>
+        <a:buFont typeface="Arial" panose="020B0604020202020204"/>
         <a:buChar char="•"/>
         <a:defRPr sz="2000" kern="1200">
           <a:solidFill>
@@ -3088,7 +3064,7 @@
 </file>
 
 <file path=ppt/slides/slide1.xml><?xml version="1.0" encoding="utf-8"?>
-<p:sld xmlns:a="http://schemas.openxmlformats.org/drawingml/2006/main" xmlns:p="http://schemas.openxmlformats.org/presentationml/2006/main" xmlns:r="http://schemas.openxmlformats.org/officeDocument/2006/relationships">
+<p:sld xmlns:a="http://schemas.openxmlformats.org/drawingml/2006/main" xmlns:r="http://schemas.openxmlformats.org/officeDocument/2006/relationships" xmlns:p="http://schemas.openxmlformats.org/presentationml/2006/main">
   <p:cSld>
     <p:spTree>
       <p:nvGrpSpPr>
@@ -3153,7 +3129,7 @@
 </file>
 
 <file path=ppt/slides/slide10.xml><?xml version="1.0" encoding="utf-8"?>
-<p:sld xmlns:a="http://schemas.openxmlformats.org/drawingml/2006/main" xmlns:p="http://schemas.openxmlformats.org/presentationml/2006/main" xmlns:r="http://schemas.openxmlformats.org/officeDocument/2006/relationships">
+<p:sld xmlns:a="http://schemas.openxmlformats.org/drawingml/2006/main" xmlns:r="http://schemas.openxmlformats.org/officeDocument/2006/relationships" xmlns:p="http://schemas.openxmlformats.org/presentationml/2006/main">
   <p:cSld>
     <p:spTree>
       <p:nvGrpSpPr>
@@ -3162,6 +3138,138 @@
         <p:nvPr/>
       </p:nvGrpSpPr>
       <p:grpSpPr/>
+      <p:pic>
+        <p:nvPicPr>
+          <p:cNvPr id="4" name="Content Placeholder 3" descr="success_pie"/>
+          <p:cNvPicPr>
+            <a:picLocks noChangeAspect="1"/>
+          </p:cNvPicPr>
+          <p:nvPr>
+            <p:ph idx="1"/>
+          </p:nvPr>
+        </p:nvPicPr>
+        <p:blipFill>
+          <a:blip r:embed="rId1"/>
+          <a:stretch>
+            <a:fillRect/>
+          </a:stretch>
+        </p:blipFill>
+        <p:spPr>
+          <a:xfrm>
+            <a:off x="1262380" y="119380"/>
+            <a:ext cx="6619240" cy="6619240"/>
+          </a:xfrm>
+          <a:prstGeom prst="rect">
+            <a:avLst/>
+          </a:prstGeom>
+        </p:spPr>
+      </p:pic>
+    </p:spTree>
+  </p:cSld>
+  <p:clrMapOvr>
+    <a:masterClrMapping/>
+  </p:clrMapOvr>
+</p:sld>
+</file>
+
+<file path=ppt/slides/slide11.xml><?xml version="1.0" encoding="utf-8"?>
+<p:sld xmlns:a="http://schemas.openxmlformats.org/drawingml/2006/main" xmlns:r="http://schemas.openxmlformats.org/officeDocument/2006/relationships" xmlns:p="http://schemas.openxmlformats.org/presentationml/2006/main">
+  <p:cSld>
+    <p:spTree>
+      <p:nvGrpSpPr>
+        <p:cNvPr id="1" name=""/>
+        <p:cNvGrpSpPr/>
+        <p:nvPr/>
+      </p:nvGrpSpPr>
+      <p:grpSpPr/>
+      <p:pic>
+        <p:nvPicPr>
+          <p:cNvPr id="4" name="Content Placeholder 3" descr="latency_per_message"/>
+          <p:cNvPicPr>
+            <a:picLocks noChangeAspect="1"/>
+          </p:cNvPicPr>
+          <p:nvPr>
+            <p:ph idx="1"/>
+          </p:nvPr>
+        </p:nvPicPr>
+        <p:blipFill>
+          <a:blip r:embed="rId1"/>
+          <a:stretch>
+            <a:fillRect/>
+          </a:stretch>
+        </p:blipFill>
+        <p:spPr>
+          <a:xfrm>
+            <a:off x="238125" y="1261745"/>
+            <a:ext cx="8667750" cy="4333875"/>
+          </a:xfrm>
+          <a:prstGeom prst="rect">
+            <a:avLst/>
+          </a:prstGeom>
+        </p:spPr>
+      </p:pic>
+    </p:spTree>
+  </p:cSld>
+  <p:clrMapOvr>
+    <a:masterClrMapping/>
+  </p:clrMapOvr>
+</p:sld>
+</file>
+
+<file path=ppt/slides/slide12.xml><?xml version="1.0" encoding="utf-8"?>
+<p:sld xmlns:a="http://schemas.openxmlformats.org/drawingml/2006/main" xmlns:r="http://schemas.openxmlformats.org/officeDocument/2006/relationships" xmlns:p="http://schemas.openxmlformats.org/presentationml/2006/main">
+  <p:cSld>
+    <p:spTree>
+      <p:nvGrpSpPr>
+        <p:cNvPr id="1" name=""/>
+        <p:cNvGrpSpPr/>
+        <p:nvPr/>
+      </p:nvGrpSpPr>
+      <p:grpSpPr/>
+      <p:pic>
+        <p:nvPicPr>
+          <p:cNvPr id="4" name="Content Placeholder 3" descr="latency_histogram"/>
+          <p:cNvPicPr>
+            <a:picLocks noChangeAspect="1"/>
+          </p:cNvPicPr>
+          <p:nvPr>
+            <p:ph idx="1"/>
+          </p:nvPr>
+        </p:nvPicPr>
+        <p:blipFill>
+          <a:blip r:embed="rId1"/>
+          <a:stretch>
+            <a:fillRect/>
+          </a:stretch>
+        </p:blipFill>
+        <p:spPr>
+          <a:xfrm>
+            <a:off x="325755" y="1305560"/>
+            <a:ext cx="8492490" cy="4246245"/>
+          </a:xfrm>
+          <a:prstGeom prst="rect">
+            <a:avLst/>
+          </a:prstGeom>
+        </p:spPr>
+      </p:pic>
+    </p:spTree>
+  </p:cSld>
+  <p:clrMapOvr>
+    <a:masterClrMapping/>
+  </p:clrMapOvr>
+</p:sld>
+</file>
+
+<file path=ppt/slides/slide13.xml><?xml version="1.0" encoding="utf-8"?>
+<p:sld xmlns:a="http://schemas.openxmlformats.org/drawingml/2006/main" xmlns:r="http://schemas.openxmlformats.org/officeDocument/2006/relationships" xmlns:p="http://schemas.openxmlformats.org/presentationml/2006/main">
+  <p:cSld>
+    <p:spTree>
+      <p:nvGrpSpPr>
+        <p:cNvPr id="1" name=""/>
+        <p:cNvGrpSpPr/>
+        <p:nvPr/>
+      </p:nvGrpSpPr>
+      <p:grpSpPr/>
       <p:sp>
         <p:nvSpPr>
           <p:cNvPr id="2" name="Title 1"/>
@@ -3198,19 +3306,16 @@
           <a:bodyPr/>
           <a:lstStyle/>
           <a:p>
-            <a:pPr/>
             <a:r>
               <a:t>Real-time chat system built successfully.</a:t>
             </a:r>
           </a:p>
           <a:p>
-            <a:pPr/>
             <a:r>
               <a:t>Custom protocol, encryption, and reliability mechanisms included.</a:t>
             </a:r>
           </a:p>
           <a:p>
-            <a:pPr/>
             <a:r>
               <a:t>Tested and confirmed to meet project objectives.</a:t>
             </a:r>
@@ -3226,7 +3331,7 @@
 </file>
 
 <file path=ppt/slides/slide2.xml><?xml version="1.0" encoding="utf-8"?>
-<p:sld xmlns:a="http://schemas.openxmlformats.org/drawingml/2006/main" xmlns:p="http://schemas.openxmlformats.org/presentationml/2006/main" xmlns:r="http://schemas.openxmlformats.org/officeDocument/2006/relationships">
+<p:sld xmlns:a="http://schemas.openxmlformats.org/drawingml/2006/main" xmlns:r="http://schemas.openxmlformats.org/officeDocument/2006/relationships" xmlns:p="http://schemas.openxmlformats.org/presentationml/2006/main">
   <p:cSld>
     <p:spTree>
       <p:nvGrpSpPr>
@@ -3271,19 +3376,16 @@
           <a:bodyPr/>
           <a:lstStyle/>
           <a:p>
-            <a:pPr/>
             <a:r>
               <a:t>Develop a multi-user chat system over UDP/TCP.</a:t>
             </a:r>
           </a:p>
           <a:p>
-            <a:pPr/>
             <a:r>
               <a:t>Design a custom message protocol with reliability features.</a:t>
             </a:r>
           </a:p>
           <a:p>
-            <a:pPr/>
             <a:r>
               <a:t>Ensure secure communication using AES encryption.</a:t>
             </a:r>
@@ -3299,7 +3401,7 @@
 </file>
 
 <file path=ppt/slides/slide3.xml><?xml version="1.0" encoding="utf-8"?>
-<p:sld xmlns:a="http://schemas.openxmlformats.org/drawingml/2006/main" xmlns:p="http://schemas.openxmlformats.org/presentationml/2006/main" xmlns:r="http://schemas.openxmlformats.org/officeDocument/2006/relationships">
+<p:sld xmlns:a="http://schemas.openxmlformats.org/drawingml/2006/main" xmlns:r="http://schemas.openxmlformats.org/officeDocument/2006/relationships" xmlns:p="http://schemas.openxmlformats.org/presentationml/2006/main">
   <p:cSld>
     <p:spTree>
       <p:nvGrpSpPr>
@@ -3344,19 +3446,16 @@
           <a:bodyPr/>
           <a:lstStyle/>
           <a:p>
-            <a:pPr/>
             <a:r>
               <a:t>Client-Server model using UDP sockets.</a:t>
             </a:r>
           </a:p>
           <a:p>
-            <a:pPr/>
             <a:r>
               <a:t>Server handles message routing and client discovery.</a:t>
             </a:r>
           </a:p>
           <a:p>
-            <a:pPr/>
             <a:r>
               <a:t>Clients send/receive messages, perform encryption/decryption.</a:t>
             </a:r>
@@ -3372,7 +3471,7 @@
 </file>
 
 <file path=ppt/slides/slide4.xml><?xml version="1.0" encoding="utf-8"?>
-<p:sld xmlns:a="http://schemas.openxmlformats.org/drawingml/2006/main" xmlns:p="http://schemas.openxmlformats.org/presentationml/2006/main" xmlns:r="http://schemas.openxmlformats.org/officeDocument/2006/relationships">
+<p:sld xmlns:a="http://schemas.openxmlformats.org/drawingml/2006/main" xmlns:r="http://schemas.openxmlformats.org/officeDocument/2006/relationships" xmlns:p="http://schemas.openxmlformats.org/presentationml/2006/main">
   <p:cSld>
     <p:spTree>
       <p:nvGrpSpPr>
@@ -3417,19 +3516,16 @@
           <a:bodyPr/>
           <a:lstStyle/>
           <a:p>
-            <a:pPr/>
             <a:r>
               <a:t>Message Format: HEADER | USERNAME | TIMESTAMP | CONTENT.</a:t>
             </a:r>
           </a:p>
           <a:p>
-            <a:pPr/>
             <a:r>
               <a:t>ACKs and retransmission mechanisms for reliability over UDP.</a:t>
             </a:r>
           </a:p>
           <a:p>
-            <a:pPr/>
             <a:r>
               <a:t>Timestamps used to measure message delay.</a:t>
             </a:r>
@@ -3445,7 +3541,7 @@
 </file>
 
 <file path=ppt/slides/slide5.xml><?xml version="1.0" encoding="utf-8"?>
-<p:sld xmlns:a="http://schemas.openxmlformats.org/drawingml/2006/main" xmlns:p="http://schemas.openxmlformats.org/presentationml/2006/main" xmlns:r="http://schemas.openxmlformats.org/officeDocument/2006/relationships">
+<p:sld xmlns:a="http://schemas.openxmlformats.org/drawingml/2006/main" xmlns:r="http://schemas.openxmlformats.org/officeDocument/2006/relationships" xmlns:p="http://schemas.openxmlformats.org/presentationml/2006/main">
   <p:cSld>
     <p:spTree>
       <p:nvGrpSpPr>
@@ -3490,25 +3586,21 @@
           <a:bodyPr/>
           <a:lstStyle/>
           <a:p>
-            <a:pPr/>
             <a:r>
               <a:t>udp_json_server.py &amp; udp_json_client.py handle communication.</a:t>
             </a:r>
           </a:p>
           <a:p>
-            <a:pPr/>
             <a:r>
               <a:t>aes_utils.py manages AES encryption.</a:t>
             </a:r>
           </a:p>
           <a:p>
-            <a:pPr/>
             <a:r>
               <a:t>Clients identified and tracked on server side.</a:t>
             </a:r>
           </a:p>
           <a:p>
-            <a:pPr/>
             <a:r>
               <a:t>Log file stores chat history with timestamps.</a:t>
             </a:r>
@@ -3524,7 +3616,7 @@
 </file>
 
 <file path=ppt/slides/slide6.xml><?xml version="1.0" encoding="utf-8"?>
-<p:sld xmlns:a="http://schemas.openxmlformats.org/drawingml/2006/main" xmlns:p="http://schemas.openxmlformats.org/presentationml/2006/main" xmlns:r="http://schemas.openxmlformats.org/officeDocument/2006/relationships">
+<p:sld xmlns:a="http://schemas.openxmlformats.org/drawingml/2006/main" xmlns:r="http://schemas.openxmlformats.org/officeDocument/2006/relationships" xmlns:p="http://schemas.openxmlformats.org/presentationml/2006/main">
   <p:cSld>
     <p:spTree>
       <p:nvGrpSpPr>
@@ -3569,19 +3661,16 @@
           <a:bodyPr/>
           <a:lstStyle/>
           <a:p>
-            <a:pPr/>
             <a:r>
               <a:t>Server maintains a list of active clients.</a:t>
             </a:r>
           </a:p>
           <a:p>
-            <a:pPr/>
             <a:r>
               <a:t>Each client is associated with its address and username.</a:t>
             </a:r>
           </a:p>
           <a:p>
-            <a:pPr/>
             <a:r>
               <a:t>Clients can view who is online.</a:t>
             </a:r>
@@ -3597,7 +3686,7 @@
 </file>
 
 <file path=ppt/slides/slide7.xml><?xml version="1.0" encoding="utf-8"?>
-<p:sld xmlns:a="http://schemas.openxmlformats.org/drawingml/2006/main" xmlns:p="http://schemas.openxmlformats.org/presentationml/2006/main" xmlns:r="http://schemas.openxmlformats.org/officeDocument/2006/relationships">
+<p:sld xmlns:a="http://schemas.openxmlformats.org/drawingml/2006/main" xmlns:r="http://schemas.openxmlformats.org/officeDocument/2006/relationships" xmlns:p="http://schemas.openxmlformats.org/presentationml/2006/main">
   <p:cSld>
     <p:spTree>
       <p:nvGrpSpPr>
@@ -3642,19 +3731,16 @@
           <a:bodyPr/>
           <a:lstStyle/>
           <a:p>
-            <a:pPr/>
             <a:r>
               <a:t>AES-based symmetric encryption implemented.</a:t>
             </a:r>
           </a:p>
           <a:p>
-            <a:pPr/>
             <a:r>
               <a:t>Encrypts message content before sending.</a:t>
             </a:r>
           </a:p>
           <a:p>
-            <a:pPr/>
             <a:r>
               <a:t>Key agreed upon between sender and receiver.</a:t>
             </a:r>
@@ -3670,7 +3756,7 @@
 </file>
 
 <file path=ppt/slides/slide8.xml><?xml version="1.0" encoding="utf-8"?>
-<p:sld xmlns:a="http://schemas.openxmlformats.org/drawingml/2006/main" xmlns:p="http://schemas.openxmlformats.org/presentationml/2006/main" xmlns:r="http://schemas.openxmlformats.org/officeDocument/2006/relationships">
+<p:sld xmlns:a="http://schemas.openxmlformats.org/drawingml/2006/main" xmlns:r="http://schemas.openxmlformats.org/officeDocument/2006/relationships" xmlns:p="http://schemas.openxmlformats.org/presentationml/2006/main">
   <p:cSld>
     <p:spTree>
       <p:nvGrpSpPr>
@@ -3715,19 +3801,16 @@
           <a:bodyPr/>
           <a:lstStyle/>
           <a:p>
-            <a:pPr/>
             <a:r>
               <a:t>Functional tests: message sending, ACK, encryption.</a:t>
             </a:r>
           </a:p>
           <a:p>
-            <a:pPr/>
             <a:r>
               <a:t>Performance tests: latency and delivery success.</a:t>
             </a:r>
           </a:p>
           <a:p>
-            <a:pPr/>
             <a:r>
               <a:t>All features validated through screenshots and logs.</a:t>
             </a:r>
@@ -3743,7 +3826,7 @@
 </file>
 
 <file path=ppt/slides/slide9.xml><?xml version="1.0" encoding="utf-8"?>
-<p:sld xmlns:a="http://schemas.openxmlformats.org/drawingml/2006/main" xmlns:p="http://schemas.openxmlformats.org/presentationml/2006/main" xmlns:r="http://schemas.openxmlformats.org/officeDocument/2006/relationships">
+<p:sld xmlns:a="http://schemas.openxmlformats.org/drawingml/2006/main" xmlns:r="http://schemas.openxmlformats.org/officeDocument/2006/relationships" xmlns:p="http://schemas.openxmlformats.org/presentationml/2006/main">
   <p:cSld>
     <p:spTree>
       <p:nvGrpSpPr>
@@ -3788,19 +3871,16 @@
           <a:bodyPr/>
           <a:lstStyle/>
           <a:p>
-            <a:pPr/>
             <a:r>
               <a:t>Low average latency in most test cases.</a:t>
             </a:r>
           </a:p>
           <a:p>
-            <a:pPr/>
             <a:r>
               <a:t>Near 100% success rate in message delivery.</a:t>
             </a:r>
           </a:p>
           <a:p>
-            <a:pPr/>
             <a:r>
               <a:t>Results confirm protocol efficiency.</a:t>
             </a:r>
@@ -4131,6 +4211,10 @@
       </a:style>
     </a:lnDef>
   </a:objectDefaults>
-  <a:extraClrSchemeLst/>
+  <a:extLst>
+    <a:ext uri="{05A4C25C-085E-4340-85A3-A5531E510DB2}">
+      <thm15:themeFamily xmlns:thm15="http://schemas.microsoft.com/office/thememl/2012/main" name="Office Theme" id="{62F939B6-93AF-4DB8-9C6B-D6C7DFDC589F}" vid="{4A3C46E8-61CC-4603-A589-7422A47A8E4A}"/>
+    </a:ext>
+  </a:extLst>
 </a:theme>
 </file>
--- a/reports/Presentation.pptx
+++ b/reports/Presentation.pptx
@@ -3140,7 +3140,7 @@
       <p:grpSpPr/>
       <p:pic>
         <p:nvPicPr>
-          <p:cNvPr id="4" name="Content Placeholder 3" descr="success_pie"/>
+          <p:cNvPr id="3" name="Content Placeholder 2" descr="latency_histogram"/>
           <p:cNvPicPr>
             <a:picLocks noChangeAspect="1"/>
           </p:cNvPicPr>
@@ -3156,8 +3156,8 @@
         </p:blipFill>
         <p:spPr>
           <a:xfrm>
-            <a:off x="1262380" y="119380"/>
-            <a:ext cx="6619240" cy="6619240"/>
+            <a:off x="913765" y="2033905"/>
+            <a:ext cx="7315200" cy="3657600"/>
           </a:xfrm>
           <a:prstGeom prst="rect">
             <a:avLst/>
@@ -3184,7 +3184,7 @@
       <p:grpSpPr/>
       <p:pic>
         <p:nvPicPr>
-          <p:cNvPr id="4" name="Content Placeholder 3" descr="latency_per_message"/>
+          <p:cNvPr id="3" name="Content Placeholder 2" descr="latency_per_message"/>
           <p:cNvPicPr>
             <a:picLocks noChangeAspect="1"/>
           </p:cNvPicPr>
@@ -3200,8 +3200,8 @@
         </p:blipFill>
         <p:spPr>
           <a:xfrm>
-            <a:off x="238125" y="1261745"/>
-            <a:ext cx="8667750" cy="4333875"/>
+            <a:off x="457200" y="1805305"/>
+            <a:ext cx="8229600" cy="4114800"/>
           </a:xfrm>
           <a:prstGeom prst="rect">
             <a:avLst/>
@@ -3228,7 +3228,7 @@
       <p:grpSpPr/>
       <p:pic>
         <p:nvPicPr>
-          <p:cNvPr id="4" name="Content Placeholder 3" descr="latency_histogram"/>
+          <p:cNvPr id="3" name="Content Placeholder 2" descr="success_pie"/>
           <p:cNvPicPr>
             <a:picLocks noChangeAspect="1"/>
           </p:cNvPicPr>
@@ -3244,8 +3244,8 @@
         </p:blipFill>
         <p:spPr>
           <a:xfrm>
-            <a:off x="325755" y="1305560"/>
-            <a:ext cx="8492490" cy="4246245"/>
+            <a:off x="1424305" y="349250"/>
+            <a:ext cx="6158865" cy="6158865"/>
           </a:xfrm>
           <a:prstGeom prst="rect">
             <a:avLst/>

--- a/reports/Presentation.pptx
+++ b/reports/Presentation.pptx
@@ -14,10 +14,7 @@
     <p:sldId id="262" r:id="rId9"/>
     <p:sldId id="263" r:id="rId10"/>
     <p:sldId id="264" r:id="rId11"/>
-    <p:sldId id="269" r:id="rId12"/>
-    <p:sldId id="270" r:id="rId13"/>
-    <p:sldId id="271" r:id="rId14"/>
-    <p:sldId id="265" r:id="rId15"/>
+    <p:sldId id="265" r:id="rId12"/>
   </p:sldIdLst>
   <p:sldSz cx="9144000" cy="6858000" type="screen4x3"/>
   <p:notesSz cx="6858000" cy="9144000"/>
@@ -3129,138 +3126,6 @@
 </file>
 
 <file path=ppt/slides/slide10.xml><?xml version="1.0" encoding="utf-8"?>
-<p:sld xmlns:a="http://schemas.openxmlformats.org/drawingml/2006/main" xmlns:r="http://schemas.openxmlformats.org/officeDocument/2006/relationships" xmlns:p="http://schemas.openxmlformats.org/presentationml/2006/main">
-  <p:cSld>
-    <p:spTree>
-      <p:nvGrpSpPr>
-        <p:cNvPr id="1" name=""/>
-        <p:cNvGrpSpPr/>
-        <p:nvPr/>
-      </p:nvGrpSpPr>
-      <p:grpSpPr/>
-      <p:pic>
-        <p:nvPicPr>
-          <p:cNvPr id="3" name="Content Placeholder 2" descr="latency_histogram"/>
-          <p:cNvPicPr>
-            <a:picLocks noChangeAspect="1"/>
-          </p:cNvPicPr>
-          <p:nvPr>
-            <p:ph idx="1"/>
-          </p:nvPr>
-        </p:nvPicPr>
-        <p:blipFill>
-          <a:blip r:embed="rId1"/>
-          <a:stretch>
-            <a:fillRect/>
-          </a:stretch>
-        </p:blipFill>
-        <p:spPr>
-          <a:xfrm>
-            <a:off x="913765" y="2033905"/>
-            <a:ext cx="7315200" cy="3657600"/>
-          </a:xfrm>
-          <a:prstGeom prst="rect">
-            <a:avLst/>
-          </a:prstGeom>
-        </p:spPr>
-      </p:pic>
-    </p:spTree>
-  </p:cSld>
-  <p:clrMapOvr>
-    <a:masterClrMapping/>
-  </p:clrMapOvr>
-</p:sld>
-</file>
-
-<file path=ppt/slides/slide11.xml><?xml version="1.0" encoding="utf-8"?>
-<p:sld xmlns:a="http://schemas.openxmlformats.org/drawingml/2006/main" xmlns:r="http://schemas.openxmlformats.org/officeDocument/2006/relationships" xmlns:p="http://schemas.openxmlformats.org/presentationml/2006/main">
-  <p:cSld>
-    <p:spTree>
-      <p:nvGrpSpPr>
-        <p:cNvPr id="1" name=""/>
-        <p:cNvGrpSpPr/>
-        <p:nvPr/>
-      </p:nvGrpSpPr>
-      <p:grpSpPr/>
-      <p:pic>
-        <p:nvPicPr>
-          <p:cNvPr id="3" name="Content Placeholder 2" descr="latency_per_message"/>
-          <p:cNvPicPr>
-            <a:picLocks noChangeAspect="1"/>
-          </p:cNvPicPr>
-          <p:nvPr>
-            <p:ph idx="1"/>
-          </p:nvPr>
-        </p:nvPicPr>
-        <p:blipFill>
-          <a:blip r:embed="rId1"/>
-          <a:stretch>
-            <a:fillRect/>
-          </a:stretch>
-        </p:blipFill>
-        <p:spPr>
-          <a:xfrm>
-            <a:off x="457200" y="1805305"/>
-            <a:ext cx="8229600" cy="4114800"/>
-          </a:xfrm>
-          <a:prstGeom prst="rect">
-            <a:avLst/>
-          </a:prstGeom>
-        </p:spPr>
-      </p:pic>
-    </p:spTree>
-  </p:cSld>
-  <p:clrMapOvr>
-    <a:masterClrMapping/>
-  </p:clrMapOvr>
-</p:sld>
-</file>
-
-<file path=ppt/slides/slide12.xml><?xml version="1.0" encoding="utf-8"?>
-<p:sld xmlns:a="http://schemas.openxmlformats.org/drawingml/2006/main" xmlns:r="http://schemas.openxmlformats.org/officeDocument/2006/relationships" xmlns:p="http://schemas.openxmlformats.org/presentationml/2006/main">
-  <p:cSld>
-    <p:spTree>
-      <p:nvGrpSpPr>
-        <p:cNvPr id="1" name=""/>
-        <p:cNvGrpSpPr/>
-        <p:nvPr/>
-      </p:nvGrpSpPr>
-      <p:grpSpPr/>
-      <p:pic>
-        <p:nvPicPr>
-          <p:cNvPr id="3" name="Content Placeholder 2" descr="success_pie"/>
-          <p:cNvPicPr>
-            <a:picLocks noChangeAspect="1"/>
-          </p:cNvPicPr>
-          <p:nvPr>
-            <p:ph idx="1"/>
-          </p:nvPr>
-        </p:nvPicPr>
-        <p:blipFill>
-          <a:blip r:embed="rId1"/>
-          <a:stretch>
-            <a:fillRect/>
-          </a:stretch>
-        </p:blipFill>
-        <p:spPr>
-          <a:xfrm>
-            <a:off x="1424305" y="349250"/>
-            <a:ext cx="6158865" cy="6158865"/>
-          </a:xfrm>
-          <a:prstGeom prst="rect">
-            <a:avLst/>
-          </a:prstGeom>
-        </p:spPr>
-      </p:pic>
-    </p:spTree>
-  </p:cSld>
-  <p:clrMapOvr>
-    <a:masterClrMapping/>
-  </p:clrMapOvr>
-</p:sld>
-</file>
-
-<file path=ppt/slides/slide13.xml><?xml version="1.0" encoding="utf-8"?>
 <p:sld xmlns:a="http://schemas.openxmlformats.org/drawingml/2006/main" xmlns:r="http://schemas.openxmlformats.org/officeDocument/2006/relationships" xmlns:p="http://schemas.openxmlformats.org/presentationml/2006/main">
   <p:cSld>
     <p:spTree>
